--- a/lecture 11/Lecture 11 - Mobile Application Development.pptx
+++ b/lecture 11/Lecture 11 - Mobile Application Development.pptx
@@ -209,7 +209,7 @@
           <a:p>
             <a:fld id="{A3C2A6A4-4365-4DD8-8CB7-3A4F849F3EAA}" type="datetimeFigureOut">
               <a:rPr lang="en-GB" smtClean="0"/>
-              <a:t>14/10/2019</a:t>
+              <a:t>13/12/2019</a:t>
             </a:fld>
             <a:endParaRPr lang="en-GB"/>
           </a:p>
@@ -1964,7 +1964,7 @@
           <a:p>
             <a:fld id="{B5906FF8-4769-4691-A860-171D2AFB3E65}" type="datetimeFigureOut">
               <a:rPr lang="en-GB" smtClean="0"/>
-              <a:t>14/10/2019</a:t>
+              <a:t>13/12/2019</a:t>
             </a:fld>
             <a:endParaRPr lang="en-GB"/>
           </a:p>
@@ -2172,7 +2172,7 @@
           <a:p>
             <a:fld id="{B5906FF8-4769-4691-A860-171D2AFB3E65}" type="datetimeFigureOut">
               <a:rPr lang="en-GB" smtClean="0"/>
-              <a:t>14/10/2019</a:t>
+              <a:t>13/12/2019</a:t>
             </a:fld>
             <a:endParaRPr lang="en-GB"/>
           </a:p>
@@ -2428,7 +2428,7 @@
           <a:p>
             <a:fld id="{B5906FF8-4769-4691-A860-171D2AFB3E65}" type="datetimeFigureOut">
               <a:rPr lang="en-GB" smtClean="0"/>
-              <a:t>14/10/2019</a:t>
+              <a:t>13/12/2019</a:t>
             </a:fld>
             <a:endParaRPr lang="en-GB"/>
           </a:p>
@@ -2602,7 +2602,7 @@
           <a:p>
             <a:fld id="{B5906FF8-4769-4691-A860-171D2AFB3E65}" type="datetimeFigureOut">
               <a:rPr lang="en-GB" smtClean="0"/>
-              <a:t>14/10/2019</a:t>
+              <a:t>13/12/2019</a:t>
             </a:fld>
             <a:endParaRPr lang="en-GB"/>
           </a:p>
@@ -2945,7 +2945,7 @@
           <a:p>
             <a:fld id="{B5906FF8-4769-4691-A860-171D2AFB3E65}" type="datetimeFigureOut">
               <a:rPr lang="en-GB" smtClean="0"/>
-              <a:t>14/10/2019</a:t>
+              <a:t>13/12/2019</a:t>
             </a:fld>
             <a:endParaRPr lang="en-GB"/>
           </a:p>
@@ -3220,7 +3220,7 @@
           <a:p>
             <a:fld id="{B5906FF8-4769-4691-A860-171D2AFB3E65}" type="datetimeFigureOut">
               <a:rPr lang="en-GB" smtClean="0"/>
-              <a:t>14/10/2019</a:t>
+              <a:t>13/12/2019</a:t>
             </a:fld>
             <a:endParaRPr lang="en-GB"/>
           </a:p>
@@ -3599,7 +3599,7 @@
           <a:p>
             <a:fld id="{B5906FF8-4769-4691-A860-171D2AFB3E65}" type="datetimeFigureOut">
               <a:rPr lang="en-GB" smtClean="0"/>
-              <a:t>14/10/2019</a:t>
+              <a:t>13/12/2019</a:t>
             </a:fld>
             <a:endParaRPr lang="en-GB"/>
           </a:p>
@@ -3717,7 +3717,7 @@
           <a:p>
             <a:fld id="{B5906FF8-4769-4691-A860-171D2AFB3E65}" type="datetimeFigureOut">
               <a:rPr lang="en-GB" smtClean="0"/>
-              <a:t>14/10/2019</a:t>
+              <a:t>13/12/2019</a:t>
             </a:fld>
             <a:endParaRPr lang="en-GB"/>
           </a:p>
@@ -3888,7 +3888,7 @@
           <a:p>
             <a:fld id="{B5906FF8-4769-4691-A860-171D2AFB3E65}" type="datetimeFigureOut">
               <a:rPr lang="en-GB" smtClean="0"/>
-              <a:t>14/10/2019</a:t>
+              <a:t>13/12/2019</a:t>
             </a:fld>
             <a:endParaRPr lang="en-GB"/>
           </a:p>
@@ -4242,7 +4242,7 @@
           <a:p>
             <a:fld id="{B5906FF8-4769-4691-A860-171D2AFB3E65}" type="datetimeFigureOut">
               <a:rPr lang="en-GB" smtClean="0"/>
-              <a:t>14/10/2019</a:t>
+              <a:t>13/12/2019</a:t>
             </a:fld>
             <a:endParaRPr lang="en-GB"/>
           </a:p>
@@ -4624,7 +4624,7 @@
           <a:p>
             <a:fld id="{B5906FF8-4769-4691-A860-171D2AFB3E65}" type="datetimeFigureOut">
               <a:rPr lang="en-GB" smtClean="0"/>
-              <a:t>14/10/2019</a:t>
+              <a:t>13/12/2019</a:t>
             </a:fld>
             <a:endParaRPr lang="en-GB"/>
           </a:p>
@@ -4911,7 +4911,7 @@
           <a:p>
             <a:fld id="{B5906FF8-4769-4691-A860-171D2AFB3E65}" type="datetimeFigureOut">
               <a:rPr lang="en-GB" smtClean="0"/>
-              <a:t>14/10/2019</a:t>
+              <a:t>13/12/2019</a:t>
             </a:fld>
             <a:endParaRPr lang="en-GB"/>
           </a:p>
@@ -6132,7 +6132,6 @@
               <a:rPr lang="en-US" dirty="0" smtClean="0"/>
               <a:t> We would get this error. We can resolve this by importing shared module in studentslist.module.ts </a:t>
             </a:r>
-            <a:endParaRPr lang="en-US" dirty="0" smtClean="0"/>
           </a:p>
           <a:p>
             <a:pPr>
@@ -6302,7 +6301,6 @@
               <a:rPr lang="en-US" dirty="0" smtClean="0"/>
               <a:t> Angular provides us with resusability. But how does it works? </a:t>
             </a:r>
-            <a:endParaRPr lang="en-US" dirty="0" smtClean="0"/>
           </a:p>
           <a:p>
             <a:pPr>
@@ -6314,7 +6312,23 @@
             </a:pPr>
             <a:r>
               <a:rPr lang="en-US" dirty="0" smtClean="0"/>
-              <a:t> What we we write a piece of code and we we want to use it in many different pages?</a:t>
+              <a:t> What </a:t>
+            </a:r>
+            <a:r>
+              <a:rPr lang="en-US" dirty="0" smtClean="0"/>
+              <a:t>if we </a:t>
+            </a:r>
+            <a:r>
+              <a:rPr lang="en-US" dirty="0" smtClean="0"/>
+              <a:t>write a piece of code and we </a:t>
+            </a:r>
+            <a:r>
+              <a:rPr lang="en-US" dirty="0" smtClean="0"/>
+              <a:t>want </a:t>
+            </a:r>
+            <a:r>
+              <a:rPr lang="en-US" dirty="0" smtClean="0"/>
+              <a:t>to use it in many different pages?</a:t>
             </a:r>
           </a:p>
           <a:p>
@@ -6493,7 +6507,6 @@
               <a:rPr lang="en-US" dirty="0" smtClean="0"/>
               <a:t>what if we want something that will be used in all three modules?  </a:t>
             </a:r>
-            <a:endParaRPr lang="en-US" dirty="0" smtClean="0"/>
           </a:p>
           <a:p>
             <a:pPr>
@@ -6661,11 +6674,7 @@
             </a:pPr>
             <a:r>
               <a:rPr lang="en-US" dirty="0" smtClean="0"/>
-              <a:t> How will this work? This Shared Module will be accessible in any other module that we want. </a:t>
-            </a:r>
-            <a:r>
-              <a:rPr lang="en-US" dirty="0" smtClean="0"/>
-              <a:t> </a:t>
+              <a:t> How will this work? This Shared Module will be accessible in any other module that we want.  </a:t>
             </a:r>
           </a:p>
           <a:p>
